--- a/164004E.pptx
+++ b/164004E.pptx
@@ -5,16 +5,17 @@
     <p:sldMasterId id="2147483675" r:id="rId1"/>
   </p:sldMasterIdLst>
   <p:notesMasterIdLst>
-    <p:notesMasterId r:id="rId9"/>
+    <p:notesMasterId r:id="rId10"/>
   </p:notesMasterIdLst>
   <p:sldIdLst>
     <p:sldId id="256" r:id="rId2"/>
     <p:sldId id="267" r:id="rId3"/>
     <p:sldId id="284" r:id="rId4"/>
-    <p:sldId id="257" r:id="rId5"/>
-    <p:sldId id="303" r:id="rId6"/>
-    <p:sldId id="304" r:id="rId7"/>
-    <p:sldId id="285" r:id="rId8"/>
+    <p:sldId id="283" r:id="rId5"/>
+    <p:sldId id="257" r:id="rId6"/>
+    <p:sldId id="303" r:id="rId7"/>
+    <p:sldId id="304" r:id="rId8"/>
+    <p:sldId id="285" r:id="rId9"/>
   </p:sldIdLst>
   <p:sldSz cx="9144000" cy="5143500" type="screen16x9"/>
   <p:notesSz cx="6858000" cy="9144000"/>
@@ -247,6 +248,11 @@
       </a:defRPr>
     </a:lvl9pPr>
   </p:defaultTextStyle>
+  <p:extLst>
+    <p:ext uri="{EFAFB233-063F-42B5-8137-9DF3F51BA10A}">
+      <p15:sldGuideLst xmlns:p15="http://schemas.microsoft.com/office/powerpoint/2012/main"/>
+    </p:ext>
+  </p:extLst>
 </p:presentation>
 </file>
 
@@ -1760,7 +1766,7 @@
   <p:cSld>
     <p:spTree>
       <p:nvGrpSpPr>
-        <p:cNvPr id="1" name="Shape 317"/>
+        <p:cNvPr id="1" name="Shape 1624"/>
         <p:cNvGrpSpPr/>
         <p:nvPr/>
       </p:nvGrpSpPr>
@@ -1774,7 +1780,7 @@
       </p:grpSpPr>
       <p:sp>
         <p:nvSpPr>
-          <p:cNvPr id="318" name="Google Shape;318;p2:notes"/>
+          <p:cNvPr id="1625" name="Google Shape;1625;p28:notes"/>
           <p:cNvSpPr txBox="1">
             <a:spLocks noGrp="1"/>
           </p:cNvSpPr>
@@ -1812,7 +1818,7 @@
       </p:sp>
       <p:sp>
         <p:nvSpPr>
-          <p:cNvPr id="319" name="Google Shape;319;p2:notes"/>
+          <p:cNvPr id="1626" name="Google Shape;1626;p28:notes"/>
           <p:cNvSpPr>
             <a:spLocks noGrp="1" noRot="1" noChangeAspect="1"/>
           </p:cNvSpPr>
@@ -1956,6 +1962,110 @@
         </p:spPr>
       </p:sp>
     </p:spTree>
+  </p:cSld>
+  <p:clrMapOvr>
+    <a:masterClrMapping/>
+  </p:clrMapOvr>
+</p:notes>
+</file>
+
+<file path=ppt/notesSlides/notesSlide6.xml><?xml version="1.0" encoding="utf-8"?>
+<p:notes xmlns:a="http://schemas.openxmlformats.org/drawingml/2006/main" xmlns:r="http://schemas.openxmlformats.org/officeDocument/2006/relationships" xmlns:p="http://schemas.openxmlformats.org/presentationml/2006/main" showMasterSp="0" showMasterPhAnim="0">
+  <p:cSld>
+    <p:spTree>
+      <p:nvGrpSpPr>
+        <p:cNvPr id="1" name="Shape 317"/>
+        <p:cNvGrpSpPr/>
+        <p:nvPr/>
+      </p:nvGrpSpPr>
+      <p:grpSpPr>
+        <a:xfrm>
+          <a:off x="0" y="0"/>
+          <a:ext cx="0" cy="0"/>
+          <a:chOff x="0" y="0"/>
+          <a:chExt cx="0" cy="0"/>
+        </a:xfrm>
+      </p:grpSpPr>
+      <p:sp>
+        <p:nvSpPr>
+          <p:cNvPr id="318" name="Google Shape;318;p2:notes"/>
+          <p:cNvSpPr txBox="1">
+            <a:spLocks noGrp="1"/>
+          </p:cNvSpPr>
+          <p:nvPr>
+            <p:ph type="body" idx="1"/>
+          </p:nvPr>
+        </p:nvSpPr>
+        <p:spPr>
+          <a:xfrm>
+            <a:off x="685800" y="4400550"/>
+            <a:ext cx="5486400" cy="3600450"/>
+          </a:xfrm>
+          <a:prstGeom prst="rect">
+            <a:avLst/>
+          </a:prstGeom>
+        </p:spPr>
+        <p:txBody>
+          <a:bodyPr spcFirstLastPara="1" wrap="square" lIns="91425" tIns="45700" rIns="91425" bIns="45700" anchor="t" anchorCtr="0">
+            <a:noAutofit/>
+          </a:bodyPr>
+          <a:lstStyle/>
+          <a:p>
+            <a:pPr marL="0" lvl="0" indent="0" algn="l" rtl="0">
+              <a:spcBef>
+                <a:spcPts val="0"/>
+              </a:spcBef>
+              <a:spcAft>
+                <a:spcPts val="0"/>
+              </a:spcAft>
+              <a:buNone/>
+            </a:pPr>
+            <a:endParaRPr/>
+          </a:p>
+        </p:txBody>
+      </p:sp>
+      <p:sp>
+        <p:nvSpPr>
+          <p:cNvPr id="319" name="Google Shape;319;p2:notes"/>
+          <p:cNvSpPr>
+            <a:spLocks noGrp="1" noRot="1" noChangeAspect="1"/>
+          </p:cNvSpPr>
+          <p:nvPr>
+            <p:ph type="sldImg" idx="2"/>
+          </p:nvPr>
+        </p:nvSpPr>
+        <p:spPr>
+          <a:xfrm>
+            <a:off x="685800" y="1143000"/>
+            <a:ext cx="5486400" cy="3086100"/>
+          </a:xfrm>
+          <a:custGeom>
+            <a:avLst/>
+            <a:gdLst/>
+            <a:ahLst/>
+            <a:cxnLst/>
+            <a:rect l="l" t="t" r="r" b="b"/>
+            <a:pathLst>
+              <a:path w="120000" h="120000" extrusionOk="0">
+                <a:moveTo>
+                  <a:pt x="0" y="0"/>
+                </a:moveTo>
+                <a:lnTo>
+                  <a:pt x="120000" y="0"/>
+                </a:lnTo>
+                <a:lnTo>
+                  <a:pt x="120000" y="120000"/>
+                </a:lnTo>
+                <a:lnTo>
+                  <a:pt x="0" y="120000"/>
+                </a:lnTo>
+                <a:close/>
+              </a:path>
+            </a:pathLst>
+          </a:custGeom>
+        </p:spPr>
+      </p:sp>
+    </p:spTree>
     <p:extLst>
       <p:ext uri="{BB962C8B-B14F-4D97-AF65-F5344CB8AC3E}">
         <p14:creationId xmlns:p14="http://schemas.microsoft.com/office/powerpoint/2010/main" val="1610165206"/>
@@ -1968,7 +2078,7 @@
 </p:notes>
 </file>
 
-<file path=ppt/notesSlides/notesSlide6.xml><?xml version="1.0" encoding="utf-8"?>
+<file path=ppt/notesSlides/notesSlide7.xml><?xml version="1.0" encoding="utf-8"?>
 <p:notes xmlns:a="http://schemas.openxmlformats.org/drawingml/2006/main" xmlns:r="http://schemas.openxmlformats.org/officeDocument/2006/relationships" xmlns:p="http://schemas.openxmlformats.org/presentationml/2006/main" showMasterSp="0" showMasterPhAnim="0">
   <p:cSld>
     <p:spTree>
@@ -2077,7 +2187,7 @@
 </p:notes>
 </file>
 
-<file path=ppt/notesSlides/notesSlide7.xml><?xml version="1.0" encoding="utf-8"?>
+<file path=ppt/notesSlides/notesSlide8.xml><?xml version="1.0" encoding="utf-8"?>
 <p:notes xmlns:a="http://schemas.openxmlformats.org/drawingml/2006/main" xmlns:r="http://schemas.openxmlformats.org/officeDocument/2006/relationships" xmlns:p="http://schemas.openxmlformats.org/presentationml/2006/main" showMasterSp="0" showMasterPhAnim="0">
   <p:cSld>
     <p:spTree>
@@ -8838,6 +8948,1116 @@
 </p:sldLayout>
 </file>
 
+<file path=ppt/slideLayouts/slideLayout8.xml><?xml version="1.0" encoding="utf-8"?>
+<p:sldLayout xmlns:a="http://schemas.openxmlformats.org/drawingml/2006/main" xmlns:r="http://schemas.openxmlformats.org/officeDocument/2006/relationships" xmlns:p="http://schemas.openxmlformats.org/presentationml/2006/main" matchingName="TECHNOLOGY 1">
+  <p:cSld name="TECHNOLOGY 1">
+    <p:bg>
+      <p:bgPr>
+        <a:gradFill>
+          <a:gsLst>
+            <a:gs pos="0">
+              <a:schemeClr val="accent1"/>
+            </a:gs>
+            <a:gs pos="100000">
+              <a:schemeClr val="accent2"/>
+            </a:gs>
+          </a:gsLst>
+          <a:path path="circle">
+            <a:fillToRect l="50000" t="50000" r="50000" b="50000"/>
+          </a:path>
+          <a:tileRect/>
+        </a:gradFill>
+        <a:effectLst/>
+      </p:bgPr>
+    </p:bg>
+    <p:spTree>
+      <p:nvGrpSpPr>
+        <p:cNvPr id="1" name="Shape 285"/>
+        <p:cNvGrpSpPr/>
+        <p:nvPr/>
+      </p:nvGrpSpPr>
+      <p:grpSpPr>
+        <a:xfrm>
+          <a:off x="0" y="0"/>
+          <a:ext cx="0" cy="0"/>
+          <a:chOff x="0" y="0"/>
+          <a:chExt cx="0" cy="0"/>
+        </a:xfrm>
+      </p:grpSpPr>
+      <p:sp>
+        <p:nvSpPr>
+          <p:cNvPr id="286" name="Google Shape;286;p25"/>
+          <p:cNvSpPr/>
+          <p:nvPr/>
+        </p:nvSpPr>
+        <p:spPr>
+          <a:xfrm>
+            <a:off x="607254" y="-74450"/>
+            <a:ext cx="2347500" cy="5319300"/>
+          </a:xfrm>
+          <a:prstGeom prst="rect">
+            <a:avLst/>
+          </a:prstGeom>
+          <a:noFill/>
+          <a:ln w="38100" cap="flat" cmpd="sng">
+            <a:solidFill>
+              <a:srgbClr val="FFFFFF"/>
+            </a:solidFill>
+            <a:prstDash val="solid"/>
+            <a:round/>
+            <a:headEnd type="none" w="sm" len="sm"/>
+            <a:tailEnd type="none" w="sm" len="sm"/>
+          </a:ln>
+        </p:spPr>
+        <p:txBody>
+          <a:bodyPr spcFirstLastPara="1" wrap="square" lIns="68575" tIns="68575" rIns="68575" bIns="68575" anchor="ctr" anchorCtr="0">
+            <a:noAutofit/>
+          </a:bodyPr>
+          <a:lstStyle/>
+          <a:p>
+            <a:pPr marL="0" lvl="0" indent="0" algn="l" rtl="0">
+              <a:spcBef>
+                <a:spcPts val="0"/>
+              </a:spcBef>
+              <a:spcAft>
+                <a:spcPts val="0"/>
+              </a:spcAft>
+              <a:buNone/>
+            </a:pPr>
+            <a:endParaRPr/>
+          </a:p>
+        </p:txBody>
+      </p:sp>
+      <p:sp>
+        <p:nvSpPr>
+          <p:cNvPr id="287" name="Google Shape;287;p25"/>
+          <p:cNvSpPr txBox="1"/>
+          <p:nvPr/>
+        </p:nvSpPr>
+        <p:spPr>
+          <a:xfrm>
+            <a:off x="6772942" y="4670822"/>
+            <a:ext cx="2057400" cy="273900"/>
+          </a:xfrm>
+          <a:prstGeom prst="rect">
+            <a:avLst/>
+          </a:prstGeom>
+          <a:noFill/>
+          <a:ln>
+            <a:noFill/>
+          </a:ln>
+        </p:spPr>
+        <p:txBody>
+          <a:bodyPr spcFirstLastPara="1" wrap="square" lIns="68575" tIns="34275" rIns="68575" bIns="34275" anchor="ctr" anchorCtr="0">
+            <a:noAutofit/>
+          </a:bodyPr>
+          <a:lstStyle/>
+          <a:p>
+            <a:pPr marL="0" marR="0" lvl="0" indent="0" algn="r" rtl="0">
+              <a:spcBef>
+                <a:spcPts val="0"/>
+              </a:spcBef>
+              <a:spcAft>
+                <a:spcPts val="0"/>
+              </a:spcAft>
+              <a:buNone/>
+            </a:pPr>
+            <a:fld id="{00000000-1234-1234-1234-123412341234}" type="slidenum">
+              <a:rPr lang="es-ES" sz="800" b="0" i="0" u="none" strike="noStrike" cap="none">
+                <a:solidFill>
+                  <a:schemeClr val="dk1"/>
+                </a:solidFill>
+                <a:latin typeface="Nunito Sans SemiBold"/>
+                <a:ea typeface="Nunito Sans SemiBold"/>
+                <a:cs typeface="Nunito Sans SemiBold"/>
+                <a:sym typeface="Nunito Sans SemiBold"/>
+              </a:rPr>
+              <a:t>‹#›</a:t>
+            </a:fld>
+            <a:endParaRPr sz="800" b="0" i="0" u="none" strike="noStrike" cap="none">
+              <a:solidFill>
+                <a:schemeClr val="dk1"/>
+              </a:solidFill>
+              <a:latin typeface="Nunito Sans SemiBold"/>
+              <a:ea typeface="Nunito Sans SemiBold"/>
+              <a:cs typeface="Nunito Sans SemiBold"/>
+              <a:sym typeface="Nunito Sans SemiBold"/>
+            </a:endParaRPr>
+          </a:p>
+        </p:txBody>
+      </p:sp>
+      <p:sp>
+        <p:nvSpPr>
+          <p:cNvPr id="288" name="Google Shape;288;p25"/>
+          <p:cNvSpPr txBox="1">
+            <a:spLocks noGrp="1"/>
+          </p:cNvSpPr>
+          <p:nvPr>
+            <p:ph type="ctrTitle"/>
+          </p:nvPr>
+        </p:nvSpPr>
+        <p:spPr>
+          <a:xfrm flipH="1">
+            <a:off x="799804" y="656515"/>
+            <a:ext cx="2308500" cy="2272500"/>
+          </a:xfrm>
+          <a:prstGeom prst="rect">
+            <a:avLst/>
+          </a:prstGeom>
+          <a:noFill/>
+          <a:ln>
+            <a:noFill/>
+          </a:ln>
+        </p:spPr>
+        <p:txBody>
+          <a:bodyPr spcFirstLastPara="1" wrap="square" lIns="68575" tIns="34275" rIns="68575" bIns="34275" anchor="b" anchorCtr="0">
+            <a:noAutofit/>
+          </a:bodyPr>
+          <a:lstStyle>
+            <a:lvl1pPr lvl="0" algn="l">
+              <a:lnSpc>
+                <a:spcPct val="90000"/>
+              </a:lnSpc>
+              <a:spcBef>
+                <a:spcPts val="0"/>
+              </a:spcBef>
+              <a:spcAft>
+                <a:spcPts val="0"/>
+              </a:spcAft>
+              <a:buClr>
+                <a:srgbClr val="FFFFFF"/>
+              </a:buClr>
+              <a:buSzPts val="1800"/>
+              <a:buNone/>
+              <a:defRPr sz="1800" b="0">
+                <a:solidFill>
+                  <a:srgbClr val="FFFFFF"/>
+                </a:solidFill>
+              </a:defRPr>
+            </a:lvl1pPr>
+            <a:lvl2pPr lvl="1">
+              <a:spcBef>
+                <a:spcPts val="0"/>
+              </a:spcBef>
+              <a:spcAft>
+                <a:spcPts val="0"/>
+              </a:spcAft>
+              <a:buClr>
+                <a:srgbClr val="FFFFFF"/>
+              </a:buClr>
+              <a:buSzPts val="1100"/>
+              <a:buNone/>
+              <a:defRPr>
+                <a:solidFill>
+                  <a:srgbClr val="FFFFFF"/>
+                </a:solidFill>
+              </a:defRPr>
+            </a:lvl2pPr>
+            <a:lvl3pPr lvl="2">
+              <a:spcBef>
+                <a:spcPts val="0"/>
+              </a:spcBef>
+              <a:spcAft>
+                <a:spcPts val="0"/>
+              </a:spcAft>
+              <a:buClr>
+                <a:srgbClr val="FFFFFF"/>
+              </a:buClr>
+              <a:buSzPts val="1100"/>
+              <a:buNone/>
+              <a:defRPr>
+                <a:solidFill>
+                  <a:srgbClr val="FFFFFF"/>
+                </a:solidFill>
+              </a:defRPr>
+            </a:lvl3pPr>
+            <a:lvl4pPr lvl="3">
+              <a:spcBef>
+                <a:spcPts val="0"/>
+              </a:spcBef>
+              <a:spcAft>
+                <a:spcPts val="0"/>
+              </a:spcAft>
+              <a:buClr>
+                <a:srgbClr val="FFFFFF"/>
+              </a:buClr>
+              <a:buSzPts val="1100"/>
+              <a:buNone/>
+              <a:defRPr>
+                <a:solidFill>
+                  <a:srgbClr val="FFFFFF"/>
+                </a:solidFill>
+              </a:defRPr>
+            </a:lvl4pPr>
+            <a:lvl5pPr lvl="4">
+              <a:spcBef>
+                <a:spcPts val="0"/>
+              </a:spcBef>
+              <a:spcAft>
+                <a:spcPts val="0"/>
+              </a:spcAft>
+              <a:buClr>
+                <a:srgbClr val="FFFFFF"/>
+              </a:buClr>
+              <a:buSzPts val="1100"/>
+              <a:buNone/>
+              <a:defRPr>
+                <a:solidFill>
+                  <a:srgbClr val="FFFFFF"/>
+                </a:solidFill>
+              </a:defRPr>
+            </a:lvl5pPr>
+            <a:lvl6pPr lvl="5">
+              <a:spcBef>
+                <a:spcPts val="0"/>
+              </a:spcBef>
+              <a:spcAft>
+                <a:spcPts val="0"/>
+              </a:spcAft>
+              <a:buClr>
+                <a:srgbClr val="FFFFFF"/>
+              </a:buClr>
+              <a:buSzPts val="1100"/>
+              <a:buNone/>
+              <a:defRPr>
+                <a:solidFill>
+                  <a:srgbClr val="FFFFFF"/>
+                </a:solidFill>
+              </a:defRPr>
+            </a:lvl6pPr>
+            <a:lvl7pPr lvl="6">
+              <a:spcBef>
+                <a:spcPts val="0"/>
+              </a:spcBef>
+              <a:spcAft>
+                <a:spcPts val="0"/>
+              </a:spcAft>
+              <a:buClr>
+                <a:srgbClr val="FFFFFF"/>
+              </a:buClr>
+              <a:buSzPts val="1100"/>
+              <a:buNone/>
+              <a:defRPr>
+                <a:solidFill>
+                  <a:srgbClr val="FFFFFF"/>
+                </a:solidFill>
+              </a:defRPr>
+            </a:lvl7pPr>
+            <a:lvl8pPr lvl="7">
+              <a:spcBef>
+                <a:spcPts val="0"/>
+              </a:spcBef>
+              <a:spcAft>
+                <a:spcPts val="0"/>
+              </a:spcAft>
+              <a:buClr>
+                <a:srgbClr val="FFFFFF"/>
+              </a:buClr>
+              <a:buSzPts val="1100"/>
+              <a:buNone/>
+              <a:defRPr>
+                <a:solidFill>
+                  <a:srgbClr val="FFFFFF"/>
+                </a:solidFill>
+              </a:defRPr>
+            </a:lvl8pPr>
+            <a:lvl9pPr lvl="8">
+              <a:spcBef>
+                <a:spcPts val="0"/>
+              </a:spcBef>
+              <a:spcAft>
+                <a:spcPts val="0"/>
+              </a:spcAft>
+              <a:buClr>
+                <a:srgbClr val="FFFFFF"/>
+              </a:buClr>
+              <a:buSzPts val="1100"/>
+              <a:buNone/>
+              <a:defRPr>
+                <a:solidFill>
+                  <a:srgbClr val="FFFFFF"/>
+                </a:solidFill>
+              </a:defRPr>
+            </a:lvl9pPr>
+          </a:lstStyle>
+          <a:p>
+            <a:endParaRPr/>
+          </a:p>
+        </p:txBody>
+      </p:sp>
+      <p:sp>
+        <p:nvSpPr>
+          <p:cNvPr id="289" name="Google Shape;289;p25"/>
+          <p:cNvSpPr txBox="1">
+            <a:spLocks noGrp="1"/>
+          </p:cNvSpPr>
+          <p:nvPr>
+            <p:ph type="subTitle" idx="1"/>
+          </p:nvPr>
+        </p:nvSpPr>
+        <p:spPr>
+          <a:xfrm>
+            <a:off x="799804" y="3330788"/>
+            <a:ext cx="1833000" cy="233700"/>
+          </a:xfrm>
+          <a:prstGeom prst="rect">
+            <a:avLst/>
+          </a:prstGeom>
+        </p:spPr>
+        <p:txBody>
+          <a:bodyPr spcFirstLastPara="1" wrap="square" lIns="68575" tIns="34275" rIns="68575" bIns="34275" anchor="t" anchorCtr="0">
+            <a:noAutofit/>
+          </a:bodyPr>
+          <a:lstStyle>
+            <a:lvl1pPr lvl="0" rtl="0">
+              <a:lnSpc>
+                <a:spcPct val="100000"/>
+              </a:lnSpc>
+              <a:spcBef>
+                <a:spcPts val="800"/>
+              </a:spcBef>
+              <a:spcAft>
+                <a:spcPts val="0"/>
+              </a:spcAft>
+              <a:buClr>
+                <a:srgbClr val="FFFFFF"/>
+              </a:buClr>
+              <a:buSzPts val="1200"/>
+              <a:buNone/>
+              <a:defRPr sz="1200">
+                <a:solidFill>
+                  <a:srgbClr val="FFFFFF"/>
+                </a:solidFill>
+              </a:defRPr>
+            </a:lvl1pPr>
+            <a:lvl2pPr lvl="1" rtl="0">
+              <a:lnSpc>
+                <a:spcPct val="100000"/>
+              </a:lnSpc>
+              <a:spcBef>
+                <a:spcPts val="400"/>
+              </a:spcBef>
+              <a:spcAft>
+                <a:spcPts val="0"/>
+              </a:spcAft>
+              <a:buClr>
+                <a:srgbClr val="FFFFFF"/>
+              </a:buClr>
+              <a:buSzPts val="900"/>
+              <a:buNone/>
+              <a:defRPr>
+                <a:solidFill>
+                  <a:srgbClr val="FFFFFF"/>
+                </a:solidFill>
+              </a:defRPr>
+            </a:lvl2pPr>
+            <a:lvl3pPr lvl="2" rtl="0">
+              <a:lnSpc>
+                <a:spcPct val="100000"/>
+              </a:lnSpc>
+              <a:spcBef>
+                <a:spcPts val="400"/>
+              </a:spcBef>
+              <a:spcAft>
+                <a:spcPts val="0"/>
+              </a:spcAft>
+              <a:buClr>
+                <a:srgbClr val="FFFFFF"/>
+              </a:buClr>
+              <a:buSzPts val="900"/>
+              <a:buNone/>
+              <a:defRPr>
+                <a:solidFill>
+                  <a:srgbClr val="FFFFFF"/>
+                </a:solidFill>
+              </a:defRPr>
+            </a:lvl3pPr>
+            <a:lvl4pPr lvl="3" rtl="0">
+              <a:lnSpc>
+                <a:spcPct val="100000"/>
+              </a:lnSpc>
+              <a:spcBef>
+                <a:spcPts val="400"/>
+              </a:spcBef>
+              <a:spcAft>
+                <a:spcPts val="0"/>
+              </a:spcAft>
+              <a:buClr>
+                <a:srgbClr val="FFFFFF"/>
+              </a:buClr>
+              <a:buSzPts val="900"/>
+              <a:buNone/>
+              <a:defRPr>
+                <a:solidFill>
+                  <a:srgbClr val="FFFFFF"/>
+                </a:solidFill>
+              </a:defRPr>
+            </a:lvl4pPr>
+            <a:lvl5pPr lvl="4" rtl="0">
+              <a:lnSpc>
+                <a:spcPct val="100000"/>
+              </a:lnSpc>
+              <a:spcBef>
+                <a:spcPts val="400"/>
+              </a:spcBef>
+              <a:spcAft>
+                <a:spcPts val="0"/>
+              </a:spcAft>
+              <a:buClr>
+                <a:srgbClr val="FFFFFF"/>
+              </a:buClr>
+              <a:buSzPts val="900"/>
+              <a:buNone/>
+              <a:defRPr>
+                <a:solidFill>
+                  <a:srgbClr val="FFFFFF"/>
+                </a:solidFill>
+              </a:defRPr>
+            </a:lvl5pPr>
+            <a:lvl6pPr lvl="5" rtl="0">
+              <a:lnSpc>
+                <a:spcPct val="100000"/>
+              </a:lnSpc>
+              <a:spcBef>
+                <a:spcPts val="400"/>
+              </a:spcBef>
+              <a:spcAft>
+                <a:spcPts val="0"/>
+              </a:spcAft>
+              <a:buClr>
+                <a:srgbClr val="FFFFFF"/>
+              </a:buClr>
+              <a:buSzPts val="900"/>
+              <a:buNone/>
+              <a:defRPr sz="900">
+                <a:solidFill>
+                  <a:srgbClr val="FFFFFF"/>
+                </a:solidFill>
+              </a:defRPr>
+            </a:lvl6pPr>
+            <a:lvl7pPr lvl="6" rtl="0">
+              <a:lnSpc>
+                <a:spcPct val="100000"/>
+              </a:lnSpc>
+              <a:spcBef>
+                <a:spcPts val="400"/>
+              </a:spcBef>
+              <a:spcAft>
+                <a:spcPts val="0"/>
+              </a:spcAft>
+              <a:buClr>
+                <a:srgbClr val="FFFFFF"/>
+              </a:buClr>
+              <a:buSzPts val="900"/>
+              <a:buNone/>
+              <a:defRPr sz="900">
+                <a:solidFill>
+                  <a:srgbClr val="FFFFFF"/>
+                </a:solidFill>
+              </a:defRPr>
+            </a:lvl7pPr>
+            <a:lvl8pPr lvl="7" rtl="0">
+              <a:lnSpc>
+                <a:spcPct val="100000"/>
+              </a:lnSpc>
+              <a:spcBef>
+                <a:spcPts val="400"/>
+              </a:spcBef>
+              <a:spcAft>
+                <a:spcPts val="0"/>
+              </a:spcAft>
+              <a:buClr>
+                <a:srgbClr val="FFFFFF"/>
+              </a:buClr>
+              <a:buSzPts val="900"/>
+              <a:buNone/>
+              <a:defRPr sz="900">
+                <a:solidFill>
+                  <a:srgbClr val="FFFFFF"/>
+                </a:solidFill>
+              </a:defRPr>
+            </a:lvl8pPr>
+            <a:lvl9pPr lvl="8" rtl="0">
+              <a:lnSpc>
+                <a:spcPct val="100000"/>
+              </a:lnSpc>
+              <a:spcBef>
+                <a:spcPts val="400"/>
+              </a:spcBef>
+              <a:spcAft>
+                <a:spcPts val="0"/>
+              </a:spcAft>
+              <a:buClr>
+                <a:srgbClr val="FFFFFF"/>
+              </a:buClr>
+              <a:buSzPts val="900"/>
+              <a:buNone/>
+              <a:defRPr sz="900">
+                <a:solidFill>
+                  <a:srgbClr val="FFFFFF"/>
+                </a:solidFill>
+              </a:defRPr>
+            </a:lvl9pPr>
+          </a:lstStyle>
+          <a:p>
+            <a:endParaRPr/>
+          </a:p>
+        </p:txBody>
+      </p:sp>
+      <p:sp>
+        <p:nvSpPr>
+          <p:cNvPr id="290" name="Google Shape;290;p25"/>
+          <p:cNvSpPr/>
+          <p:nvPr/>
+        </p:nvSpPr>
+        <p:spPr>
+          <a:xfrm>
+            <a:off x="4125313" y="4481509"/>
+            <a:ext cx="1729539" cy="652520"/>
+          </a:xfrm>
+          <a:custGeom>
+            <a:avLst/>
+            <a:gdLst/>
+            <a:ahLst/>
+            <a:cxnLst/>
+            <a:rect l="l" t="t" r="r" b="b"/>
+            <a:pathLst>
+              <a:path w="7061" h="2664" extrusionOk="0">
+                <a:moveTo>
+                  <a:pt x="3349" y="1"/>
+                </a:moveTo>
+                <a:cubicBezTo>
+                  <a:pt x="3178" y="1"/>
+                  <a:pt x="3002" y="22"/>
+                  <a:pt x="2821" y="69"/>
+                </a:cubicBezTo>
+                <a:cubicBezTo>
+                  <a:pt x="1539" y="399"/>
+                  <a:pt x="1197" y="1980"/>
+                  <a:pt x="1" y="2664"/>
+                </a:cubicBezTo>
+                <a:lnTo>
+                  <a:pt x="7060" y="2664"/>
+                </a:lnTo>
+                <a:cubicBezTo>
+                  <a:pt x="6171" y="1958"/>
+                  <a:pt x="4984" y="1"/>
+                  <a:pt x="3349" y="1"/>
+                </a:cubicBezTo>
+                <a:close/>
+              </a:path>
+            </a:pathLst>
+          </a:custGeom>
+          <a:gradFill>
+            <a:gsLst>
+              <a:gs pos="0">
+                <a:schemeClr val="accent1"/>
+              </a:gs>
+              <a:gs pos="100000">
+                <a:schemeClr val="accent2"/>
+              </a:gs>
+            </a:gsLst>
+            <a:path path="circle">
+              <a:fillToRect l="50000" t="50000" r="50000" b="50000"/>
+            </a:path>
+            <a:tileRect/>
+          </a:gradFill>
+          <a:ln>
+            <a:noFill/>
+          </a:ln>
+          <a:effectLst>
+            <a:outerShdw blurRad="128588" dist="114300" dir="240000" algn="bl" rotWithShape="0">
+              <a:srgbClr val="000000">
+                <a:alpha val="50000"/>
+              </a:srgbClr>
+            </a:outerShdw>
+          </a:effectLst>
+        </p:spPr>
+        <p:txBody>
+          <a:bodyPr spcFirstLastPara="1" wrap="square" lIns="91425" tIns="91425" rIns="91425" bIns="91425" anchor="ctr" anchorCtr="0">
+            <a:noAutofit/>
+          </a:bodyPr>
+          <a:lstStyle/>
+          <a:p>
+            <a:pPr marL="0" lvl="0" indent="0" algn="l" rtl="0">
+              <a:spcBef>
+                <a:spcPts val="0"/>
+              </a:spcBef>
+              <a:spcAft>
+                <a:spcPts val="0"/>
+              </a:spcAft>
+              <a:buNone/>
+            </a:pPr>
+            <a:endParaRPr/>
+          </a:p>
+        </p:txBody>
+      </p:sp>
+      <p:sp>
+        <p:nvSpPr>
+          <p:cNvPr id="291" name="Google Shape;291;p25"/>
+          <p:cNvSpPr/>
+          <p:nvPr/>
+        </p:nvSpPr>
+        <p:spPr>
+          <a:xfrm>
+            <a:off x="6438617" y="3283797"/>
+            <a:ext cx="2705390" cy="1857870"/>
+          </a:xfrm>
+          <a:custGeom>
+            <a:avLst/>
+            <a:gdLst/>
+            <a:ahLst/>
+            <a:cxnLst/>
+            <a:rect l="l" t="t" r="r" b="b"/>
+            <a:pathLst>
+              <a:path w="11045" h="7585" extrusionOk="0">
+                <a:moveTo>
+                  <a:pt x="8458" y="1"/>
+                </a:moveTo>
+                <a:cubicBezTo>
+                  <a:pt x="6822" y="1"/>
+                  <a:pt x="5207" y="190"/>
+                  <a:pt x="4379" y="824"/>
+                </a:cubicBezTo>
+                <a:cubicBezTo>
+                  <a:pt x="2329" y="2405"/>
+                  <a:pt x="3995" y="4252"/>
+                  <a:pt x="3899" y="5491"/>
+                </a:cubicBezTo>
+                <a:cubicBezTo>
+                  <a:pt x="3859" y="6074"/>
+                  <a:pt x="3660" y="6253"/>
+                  <a:pt x="3384" y="6253"/>
+                </a:cubicBezTo>
+                <a:cubicBezTo>
+                  <a:pt x="3144" y="6253"/>
+                  <a:pt x="2845" y="6118"/>
+                  <a:pt x="2542" y="5994"/>
+                </a:cubicBezTo>
+                <a:cubicBezTo>
+                  <a:pt x="2208" y="5856"/>
+                  <a:pt x="1901" y="5745"/>
+                  <a:pt x="1662" y="5745"/>
+                </a:cubicBezTo>
+                <a:cubicBezTo>
+                  <a:pt x="1642" y="5745"/>
+                  <a:pt x="1622" y="5746"/>
+                  <a:pt x="1602" y="5748"/>
+                </a:cubicBezTo>
+                <a:cubicBezTo>
+                  <a:pt x="385" y="5833"/>
+                  <a:pt x="748" y="6848"/>
+                  <a:pt x="0" y="7585"/>
+                </a:cubicBezTo>
+                <a:lnTo>
+                  <a:pt x="2553" y="7585"/>
+                </a:lnTo>
+                <a:cubicBezTo>
+                  <a:pt x="2773" y="6492"/>
+                  <a:pt x="3631" y="6085"/>
+                  <a:pt x="4717" y="6085"/>
+                </a:cubicBezTo>
+                <a:cubicBezTo>
+                  <a:pt x="5638" y="6085"/>
+                  <a:pt x="6723" y="6378"/>
+                  <a:pt x="7723" y="6794"/>
+                </a:cubicBezTo>
+                <a:cubicBezTo>
+                  <a:pt x="8150" y="6972"/>
+                  <a:pt x="8575" y="7068"/>
+                  <a:pt x="8966" y="7068"/>
+                </a:cubicBezTo>
+                <a:cubicBezTo>
+                  <a:pt x="10149" y="7068"/>
+                  <a:pt x="11031" y="6197"/>
+                  <a:pt x="10799" y="4103"/>
+                </a:cubicBezTo>
+                <a:cubicBezTo>
+                  <a:pt x="10735" y="3494"/>
+                  <a:pt x="10842" y="3077"/>
+                  <a:pt x="11044" y="2768"/>
+                </a:cubicBezTo>
+                <a:lnTo>
+                  <a:pt x="11044" y="130"/>
+                </a:lnTo>
+                <a:cubicBezTo>
+                  <a:pt x="10260" y="58"/>
+                  <a:pt x="9356" y="1"/>
+                  <a:pt x="8458" y="1"/>
+                </a:cubicBezTo>
+                <a:close/>
+              </a:path>
+            </a:pathLst>
+          </a:custGeom>
+          <a:gradFill>
+            <a:gsLst>
+              <a:gs pos="0">
+                <a:schemeClr val="accent1"/>
+              </a:gs>
+              <a:gs pos="100000">
+                <a:schemeClr val="accent2"/>
+              </a:gs>
+            </a:gsLst>
+            <a:path path="circle">
+              <a:fillToRect l="50000" t="50000" r="50000" b="50000"/>
+            </a:path>
+            <a:tileRect/>
+          </a:gradFill>
+          <a:ln>
+            <a:noFill/>
+          </a:ln>
+          <a:effectLst>
+            <a:outerShdw blurRad="128588" dist="66675" dir="9780000" algn="bl" rotWithShape="0">
+              <a:srgbClr val="000000">
+                <a:alpha val="50000"/>
+              </a:srgbClr>
+            </a:outerShdw>
+          </a:effectLst>
+        </p:spPr>
+        <p:txBody>
+          <a:bodyPr spcFirstLastPara="1" wrap="square" lIns="91425" tIns="91425" rIns="91425" bIns="91425" anchor="ctr" anchorCtr="0">
+            <a:noAutofit/>
+          </a:bodyPr>
+          <a:lstStyle/>
+          <a:p>
+            <a:pPr marL="0" lvl="0" indent="0" algn="l" rtl="0">
+              <a:spcBef>
+                <a:spcPts val="0"/>
+              </a:spcBef>
+              <a:spcAft>
+                <a:spcPts val="0"/>
+              </a:spcAft>
+              <a:buNone/>
+            </a:pPr>
+            <a:endParaRPr/>
+          </a:p>
+        </p:txBody>
+      </p:sp>
+      <p:sp>
+        <p:nvSpPr>
+          <p:cNvPr id="292" name="Google Shape;292;p25"/>
+          <p:cNvSpPr/>
+          <p:nvPr/>
+        </p:nvSpPr>
+        <p:spPr>
+          <a:xfrm>
+            <a:off x="7063950" y="3961791"/>
+            <a:ext cx="2080052" cy="1179876"/>
+          </a:xfrm>
+          <a:custGeom>
+            <a:avLst/>
+            <a:gdLst/>
+            <a:ahLst/>
+            <a:cxnLst/>
+            <a:rect l="l" t="t" r="r" b="b"/>
+            <a:pathLst>
+              <a:path w="8492" h="4817" extrusionOk="0">
+                <a:moveTo>
+                  <a:pt x="8491" y="0"/>
+                </a:moveTo>
+                <a:cubicBezTo>
+                  <a:pt x="8289" y="309"/>
+                  <a:pt x="8182" y="726"/>
+                  <a:pt x="8246" y="1335"/>
+                </a:cubicBezTo>
+                <a:cubicBezTo>
+                  <a:pt x="8478" y="3429"/>
+                  <a:pt x="7596" y="4300"/>
+                  <a:pt x="6413" y="4300"/>
+                </a:cubicBezTo>
+                <a:cubicBezTo>
+                  <a:pt x="6022" y="4300"/>
+                  <a:pt x="5597" y="4204"/>
+                  <a:pt x="5170" y="4026"/>
+                </a:cubicBezTo>
+                <a:cubicBezTo>
+                  <a:pt x="4170" y="3610"/>
+                  <a:pt x="3085" y="3317"/>
+                  <a:pt x="2164" y="3317"/>
+                </a:cubicBezTo>
+                <a:cubicBezTo>
+                  <a:pt x="1078" y="3317"/>
+                  <a:pt x="220" y="3724"/>
+                  <a:pt x="0" y="4817"/>
+                </a:cubicBezTo>
+                <a:lnTo>
+                  <a:pt x="8491" y="4817"/>
+                </a:lnTo>
+                <a:lnTo>
+                  <a:pt x="8491" y="0"/>
+                </a:lnTo>
+                <a:close/>
+              </a:path>
+            </a:pathLst>
+          </a:custGeom>
+          <a:gradFill>
+            <a:gsLst>
+              <a:gs pos="0">
+                <a:schemeClr val="accent1"/>
+              </a:gs>
+              <a:gs pos="100000">
+                <a:schemeClr val="accent2"/>
+              </a:gs>
+            </a:gsLst>
+            <a:path path="circle">
+              <a:fillToRect l="50000" t="50000" r="50000" b="50000"/>
+            </a:path>
+            <a:tileRect/>
+          </a:gradFill>
+          <a:ln>
+            <a:noFill/>
+          </a:ln>
+          <a:effectLst>
+            <a:outerShdw blurRad="128588" dist="123825" dir="13860000" algn="bl" rotWithShape="0">
+              <a:srgbClr val="000000">
+                <a:alpha val="50000"/>
+              </a:srgbClr>
+            </a:outerShdw>
+          </a:effectLst>
+        </p:spPr>
+        <p:txBody>
+          <a:bodyPr spcFirstLastPara="1" wrap="square" lIns="91425" tIns="91425" rIns="91425" bIns="91425" anchor="ctr" anchorCtr="0">
+            <a:noAutofit/>
+          </a:bodyPr>
+          <a:lstStyle/>
+          <a:p>
+            <a:pPr marL="0" lvl="0" indent="0" algn="l" rtl="0">
+              <a:spcBef>
+                <a:spcPts val="0"/>
+              </a:spcBef>
+              <a:spcAft>
+                <a:spcPts val="0"/>
+              </a:spcAft>
+              <a:buNone/>
+            </a:pPr>
+            <a:endParaRPr/>
+          </a:p>
+        </p:txBody>
+      </p:sp>
+      <p:sp>
+        <p:nvSpPr>
+          <p:cNvPr id="293" name="Google Shape;293;p25"/>
+          <p:cNvSpPr/>
+          <p:nvPr/>
+        </p:nvSpPr>
+        <p:spPr>
+          <a:xfrm>
+            <a:off x="6969648" y="0"/>
+            <a:ext cx="2174355" cy="1494134"/>
+          </a:xfrm>
+          <a:custGeom>
+            <a:avLst/>
+            <a:gdLst/>
+            <a:ahLst/>
+            <a:cxnLst/>
+            <a:rect l="l" t="t" r="r" b="b"/>
+            <a:pathLst>
+              <a:path w="8877" h="6100" extrusionOk="0">
+                <a:moveTo>
+                  <a:pt x="1" y="0"/>
+                </a:moveTo>
+                <a:cubicBezTo>
+                  <a:pt x="75" y="1410"/>
+                  <a:pt x="471" y="2969"/>
+                  <a:pt x="1613" y="4102"/>
+                </a:cubicBezTo>
+                <a:cubicBezTo>
+                  <a:pt x="2744" y="5232"/>
+                  <a:pt x="4189" y="5276"/>
+                  <a:pt x="5547" y="5276"/>
+                </a:cubicBezTo>
+                <a:cubicBezTo>
+                  <a:pt x="5661" y="5276"/>
+                  <a:pt x="5775" y="5276"/>
+                  <a:pt x="5887" y="5276"/>
+                </a:cubicBezTo>
+                <a:cubicBezTo>
+                  <a:pt x="6942" y="5276"/>
+                  <a:pt x="7921" y="5303"/>
+                  <a:pt x="8631" y="5864"/>
+                </a:cubicBezTo>
+                <a:cubicBezTo>
+                  <a:pt x="8727" y="5939"/>
+                  <a:pt x="8802" y="6014"/>
+                  <a:pt x="8876" y="6099"/>
+                </a:cubicBezTo>
+                <a:lnTo>
+                  <a:pt x="8876" y="0"/>
+                </a:lnTo>
+                <a:close/>
+              </a:path>
+            </a:pathLst>
+          </a:custGeom>
+          <a:gradFill>
+            <a:gsLst>
+              <a:gs pos="0">
+                <a:schemeClr val="accent1"/>
+              </a:gs>
+              <a:gs pos="100000">
+                <a:schemeClr val="accent2"/>
+              </a:gs>
+            </a:gsLst>
+            <a:path path="circle">
+              <a:fillToRect l="50000" t="50000" r="50000" b="50000"/>
+            </a:path>
+            <a:tileRect/>
+          </a:gradFill>
+          <a:ln>
+            <a:noFill/>
+          </a:ln>
+          <a:effectLst>
+            <a:outerShdw blurRad="128588" dist="104775" dir="4920000" algn="bl" rotWithShape="0">
+              <a:srgbClr val="000000">
+                <a:alpha val="50000"/>
+              </a:srgbClr>
+            </a:outerShdw>
+          </a:effectLst>
+        </p:spPr>
+        <p:txBody>
+          <a:bodyPr spcFirstLastPara="1" wrap="square" lIns="91425" tIns="91425" rIns="91425" bIns="91425" anchor="ctr" anchorCtr="0">
+            <a:noAutofit/>
+          </a:bodyPr>
+          <a:lstStyle/>
+          <a:p>
+            <a:pPr marL="0" lvl="0" indent="0" algn="l" rtl="0">
+              <a:spcBef>
+                <a:spcPts val="0"/>
+              </a:spcBef>
+              <a:spcAft>
+                <a:spcPts val="0"/>
+              </a:spcAft>
+              <a:buNone/>
+            </a:pPr>
+            <a:endParaRPr/>
+          </a:p>
+        </p:txBody>
+      </p:sp>
+      <p:sp>
+        <p:nvSpPr>
+          <p:cNvPr id="294" name="Google Shape;294;p25"/>
+          <p:cNvSpPr/>
+          <p:nvPr/>
+        </p:nvSpPr>
+        <p:spPr>
+          <a:xfrm>
+            <a:off x="7558240" y="1272352"/>
+            <a:ext cx="1585758" cy="3124945"/>
+          </a:xfrm>
+          <a:custGeom>
+            <a:avLst/>
+            <a:gdLst/>
+            <a:ahLst/>
+            <a:cxnLst/>
+            <a:rect l="l" t="t" r="r" b="b"/>
+            <a:pathLst>
+              <a:path w="6474" h="12758" extrusionOk="0">
+                <a:moveTo>
+                  <a:pt x="6473" y="0"/>
+                </a:moveTo>
+                <a:cubicBezTo>
+                  <a:pt x="5032" y="523"/>
+                  <a:pt x="3664" y="1378"/>
+                  <a:pt x="3418" y="2766"/>
+                </a:cubicBezTo>
+                <a:cubicBezTo>
+                  <a:pt x="2991" y="5127"/>
+                  <a:pt x="5576" y="6046"/>
+                  <a:pt x="5576" y="6964"/>
+                </a:cubicBezTo>
+                <a:cubicBezTo>
+                  <a:pt x="5576" y="7135"/>
+                  <a:pt x="5470" y="7198"/>
+                  <a:pt x="5291" y="7198"/>
+                </a:cubicBezTo>
+                <a:cubicBezTo>
+                  <a:pt x="4801" y="7198"/>
+                  <a:pt x="3760" y="6733"/>
+                  <a:pt x="2796" y="6733"/>
+                </a:cubicBezTo>
+                <a:cubicBezTo>
+                  <a:pt x="2197" y="6733"/>
+                  <a:pt x="1627" y="6913"/>
+                  <a:pt x="1239" y="7498"/>
+                </a:cubicBezTo>
+                <a:cubicBezTo>
+                  <a:pt x="1" y="9367"/>
+                  <a:pt x="1891" y="12604"/>
+                  <a:pt x="3717" y="12753"/>
+                </a:cubicBezTo>
+                <a:cubicBezTo>
+                  <a:pt x="3761" y="12756"/>
+                  <a:pt x="3805" y="12758"/>
+                  <a:pt x="3851" y="12758"/>
+                </a:cubicBezTo>
+                <a:cubicBezTo>
+                  <a:pt x="4559" y="12758"/>
+                  <a:pt x="5530" y="12381"/>
+                  <a:pt x="6473" y="11909"/>
+                </a:cubicBezTo>
+                <a:lnTo>
+                  <a:pt x="6473" y="0"/>
+                </a:lnTo>
+                <a:close/>
+              </a:path>
+            </a:pathLst>
+          </a:custGeom>
+          <a:gradFill>
+            <a:gsLst>
+              <a:gs pos="0">
+                <a:schemeClr val="accent1"/>
+              </a:gs>
+              <a:gs pos="100000">
+                <a:schemeClr val="accent2"/>
+              </a:gs>
+            </a:gsLst>
+            <a:path path="circle">
+              <a:fillToRect l="50000" t="50000" r="50000" b="50000"/>
+            </a:path>
+            <a:tileRect/>
+          </a:gradFill>
+          <a:ln>
+            <a:noFill/>
+          </a:ln>
+          <a:effectLst>
+            <a:outerShdw blurRad="128588" dist="114300" dir="8040000" algn="bl" rotWithShape="0">
+              <a:srgbClr val="000000">
+                <a:alpha val="50000"/>
+              </a:srgbClr>
+            </a:outerShdw>
+          </a:effectLst>
+        </p:spPr>
+        <p:txBody>
+          <a:bodyPr spcFirstLastPara="1" wrap="square" lIns="91425" tIns="91425" rIns="91425" bIns="91425" anchor="ctr" anchorCtr="0">
+            <a:noAutofit/>
+          </a:bodyPr>
+          <a:lstStyle/>
+          <a:p>
+            <a:pPr marL="0" lvl="0" indent="0" algn="l" rtl="0">
+              <a:spcBef>
+                <a:spcPts val="0"/>
+              </a:spcBef>
+              <a:spcAft>
+                <a:spcPts val="0"/>
+              </a:spcAft>
+              <a:buNone/>
+            </a:pPr>
+            <a:endParaRPr/>
+          </a:p>
+        </p:txBody>
+      </p:sp>
+    </p:spTree>
+    <p:extLst>
+      <p:ext uri="{BB962C8B-B14F-4D97-AF65-F5344CB8AC3E}">
+        <p14:creationId xmlns:p14="http://schemas.microsoft.com/office/powerpoint/2010/main" val="3139231339"/>
+      </p:ext>
+    </p:extLst>
+  </p:cSld>
+  <p:clrMapOvr>
+    <a:masterClrMapping/>
+  </p:clrMapOvr>
+</p:sldLayout>
+</file>
+
 <file path=ppt/slideMasters/slideMaster1.xml><?xml version="1.0" encoding="utf-8"?>
 <p:sldMaster xmlns:a="http://schemas.openxmlformats.org/drawingml/2006/main" xmlns:r="http://schemas.openxmlformats.org/officeDocument/2006/relationships" xmlns:p="http://schemas.openxmlformats.org/presentationml/2006/main">
   <p:cSld>
@@ -9938,6 +11158,7 @@
     <p:sldLayoutId id="2147483666" r:id="rId5"/>
     <p:sldLayoutId id="2147483667" r:id="rId6"/>
     <p:sldLayoutId id="2147483673" r:id="rId7"/>
+    <p:sldLayoutId id="2147483676" r:id="rId8"/>
   </p:sldLayoutIdLst>
   <p:hf hdr="0" ftr="0" dt="0"/>
   <p:txStyles>
@@ -11567,7 +12788,7 @@
   <p:cSld>
     <p:spTree>
       <p:nvGrpSpPr>
-        <p:cNvPr id="1" name="Shape 320"/>
+        <p:cNvPr id="1" name="Shape 1627"/>
         <p:cNvGrpSpPr/>
         <p:nvPr/>
       </p:nvGrpSpPr>
@@ -11581,7 +12802,7 @@
       </p:grpSpPr>
       <p:sp>
         <p:nvSpPr>
-          <p:cNvPr id="321" name="Google Shape;321;p31"/>
+          <p:cNvPr id="1628" name="Google Shape;1628;p57"/>
           <p:cNvSpPr txBox="1">
             <a:spLocks noGrp="1"/>
           </p:cNvSpPr>
@@ -11590,9 +12811,9 @@
           </p:nvPr>
         </p:nvSpPr>
         <p:spPr>
-          <a:xfrm>
-            <a:off x="1232761" y="1405476"/>
-            <a:ext cx="6634500" cy="1241400"/>
+          <a:xfrm flipH="1">
+            <a:off x="903833" y="2408396"/>
+            <a:ext cx="2171873" cy="326708"/>
           </a:xfrm>
           <a:prstGeom prst="rect">
             <a:avLst/>
@@ -11608,7 +12829,7 @@
           </a:bodyPr>
           <a:lstStyle/>
           <a:p>
-            <a:pPr marL="0" lvl="0" indent="0" algn="ctr" rtl="0">
+            <a:pPr marL="0" lvl="0" indent="0" algn="l" rtl="0">
               <a:lnSpc>
                 <a:spcPct val="90000"/>
               </a:lnSpc>
@@ -11621,85 +12842,950 @@
               <a:buClr>
                 <a:schemeClr val="dk1"/>
               </a:buClr>
-              <a:buSzPts val="4500"/>
+              <a:buSzPts val="1800"/>
               <a:buFont typeface="Nunito Sans Black"/>
               <a:buNone/>
             </a:pPr>
             <a:r>
-              <a:rPr lang="es-ES" sz="6000" b="0" dirty="0"/>
-              <a:t>FEATURES</a:t>
+              <a:rPr lang="es-ES" b="0" dirty="0">
+                <a:solidFill>
+                  <a:srgbClr val="FFFFFF"/>
+                </a:solidFill>
+              </a:rPr>
+              <a:t>ROUGH PREVIEW</a:t>
             </a:r>
-            <a:endParaRPr sz="6000" b="0" dirty="0"/>
+            <a:endParaRPr b="0" dirty="0">
+              <a:solidFill>
+                <a:srgbClr val="FFFFFF"/>
+              </a:solidFill>
+            </a:endParaRPr>
           </a:p>
         </p:txBody>
       </p:sp>
       <p:sp>
         <p:nvSpPr>
-          <p:cNvPr id="322" name="Google Shape;322;p31"/>
-          <p:cNvSpPr txBox="1">
-            <a:spLocks noGrp="1"/>
-          </p:cNvSpPr>
-          <p:nvPr>
-            <p:ph type="subTitle" idx="1"/>
-          </p:nvPr>
+          <p:cNvPr id="1630" name="Google Shape;1630;p57"/>
+          <p:cNvSpPr/>
+          <p:nvPr/>
         </p:nvSpPr>
         <p:spPr>
           <a:xfrm>
-            <a:off x="3084811" y="2646876"/>
-            <a:ext cx="2930400" cy="380400"/>
+            <a:off x="4483223" y="827967"/>
+            <a:ext cx="1809607" cy="3608458"/>
+          </a:xfrm>
+          <a:custGeom>
+            <a:avLst/>
+            <a:gdLst/>
+            <a:ahLst/>
+            <a:cxnLst/>
+            <a:rect l="l" t="t" r="r" b="b"/>
+            <a:pathLst>
+              <a:path w="103480" h="206345" extrusionOk="0">
+                <a:moveTo>
+                  <a:pt x="61741" y="8558"/>
+                </a:moveTo>
+                <a:cubicBezTo>
+                  <a:pt x="62649" y="8558"/>
+                  <a:pt x="62637" y="9975"/>
+                  <a:pt x="61704" y="9975"/>
+                </a:cubicBezTo>
+                <a:cubicBezTo>
+                  <a:pt x="61677" y="9975"/>
+                  <a:pt x="61650" y="9973"/>
+                  <a:pt x="61623" y="9971"/>
+                </a:cubicBezTo>
+                <a:lnTo>
+                  <a:pt x="40979" y="9971"/>
+                </a:lnTo>
+                <a:cubicBezTo>
+                  <a:pt x="40952" y="9973"/>
+                  <a:pt x="40925" y="9975"/>
+                  <a:pt x="40898" y="9975"/>
+                </a:cubicBezTo>
+                <a:cubicBezTo>
+                  <a:pt x="39965" y="9975"/>
+                  <a:pt x="39952" y="8558"/>
+                  <a:pt x="40861" y="8558"/>
+                </a:cubicBezTo>
+                <a:cubicBezTo>
+                  <a:pt x="40899" y="8558"/>
+                  <a:pt x="40938" y="8561"/>
+                  <a:pt x="40979" y="8566"/>
+                </a:cubicBezTo>
+                <a:lnTo>
+                  <a:pt x="61623" y="8566"/>
+                </a:lnTo>
+                <a:cubicBezTo>
+                  <a:pt x="61664" y="8561"/>
+                  <a:pt x="61703" y="8558"/>
+                  <a:pt x="61741" y="8558"/>
+                </a:cubicBezTo>
+                <a:close/>
+                <a:moveTo>
+                  <a:pt x="100713" y="16164"/>
+                </a:moveTo>
+                <a:lnTo>
+                  <a:pt x="100713" y="189567"/>
+                </a:lnTo>
+                <a:lnTo>
+                  <a:pt x="2987" y="189567"/>
+                </a:lnTo>
+                <a:lnTo>
+                  <a:pt x="2987" y="16164"/>
+                </a:lnTo>
+                <a:close/>
+                <a:moveTo>
+                  <a:pt x="22357" y="196638"/>
+                </a:moveTo>
+                <a:lnTo>
+                  <a:pt x="22313" y="197165"/>
+                </a:lnTo>
+                <a:lnTo>
+                  <a:pt x="18448" y="197165"/>
+                </a:lnTo>
+                <a:lnTo>
+                  <a:pt x="18448" y="196638"/>
+                </a:lnTo>
+                <a:close/>
+                <a:moveTo>
+                  <a:pt x="53277" y="196726"/>
+                </a:moveTo>
+                <a:cubicBezTo>
+                  <a:pt x="53365" y="196726"/>
+                  <a:pt x="53453" y="196814"/>
+                  <a:pt x="53453" y="196945"/>
+                </a:cubicBezTo>
+                <a:lnTo>
+                  <a:pt x="53453" y="199976"/>
+                </a:lnTo>
+                <a:cubicBezTo>
+                  <a:pt x="53453" y="200064"/>
+                  <a:pt x="53365" y="200152"/>
+                  <a:pt x="53234" y="200152"/>
+                </a:cubicBezTo>
+                <a:lnTo>
+                  <a:pt x="50203" y="200152"/>
+                </a:lnTo>
+                <a:cubicBezTo>
+                  <a:pt x="50071" y="200152"/>
+                  <a:pt x="49983" y="200064"/>
+                  <a:pt x="49983" y="199976"/>
+                </a:cubicBezTo>
+                <a:lnTo>
+                  <a:pt x="49983" y="196945"/>
+                </a:lnTo>
+                <a:cubicBezTo>
+                  <a:pt x="49983" y="196814"/>
+                  <a:pt x="50071" y="196726"/>
+                  <a:pt x="50203" y="196726"/>
+                </a:cubicBezTo>
+                <a:close/>
+                <a:moveTo>
+                  <a:pt x="80706" y="196517"/>
+                </a:moveTo>
+                <a:cubicBezTo>
+                  <a:pt x="80761" y="196517"/>
+                  <a:pt x="80816" y="196528"/>
+                  <a:pt x="80860" y="196550"/>
+                </a:cubicBezTo>
+                <a:cubicBezTo>
+                  <a:pt x="80948" y="196638"/>
+                  <a:pt x="80948" y="196770"/>
+                  <a:pt x="80860" y="196858"/>
+                </a:cubicBezTo>
+                <a:lnTo>
+                  <a:pt x="79455" y="198263"/>
+                </a:lnTo>
+                <a:cubicBezTo>
+                  <a:pt x="79367" y="198351"/>
+                  <a:pt x="79323" y="198439"/>
+                  <a:pt x="79323" y="198527"/>
+                </a:cubicBezTo>
+                <a:cubicBezTo>
+                  <a:pt x="79323" y="198614"/>
+                  <a:pt x="79367" y="198702"/>
+                  <a:pt x="79455" y="198790"/>
+                </a:cubicBezTo>
+                <a:lnTo>
+                  <a:pt x="80860" y="200196"/>
+                </a:lnTo>
+                <a:cubicBezTo>
+                  <a:pt x="80948" y="200284"/>
+                  <a:pt x="80948" y="200415"/>
+                  <a:pt x="80860" y="200503"/>
+                </a:cubicBezTo>
+                <a:cubicBezTo>
+                  <a:pt x="80816" y="200547"/>
+                  <a:pt x="80761" y="200569"/>
+                  <a:pt x="80706" y="200569"/>
+                </a:cubicBezTo>
+                <a:cubicBezTo>
+                  <a:pt x="80652" y="200569"/>
+                  <a:pt x="80597" y="200547"/>
+                  <a:pt x="80553" y="200503"/>
+                </a:cubicBezTo>
+                <a:lnTo>
+                  <a:pt x="79147" y="199098"/>
+                </a:lnTo>
+                <a:cubicBezTo>
+                  <a:pt x="79015" y="198922"/>
+                  <a:pt x="78928" y="198746"/>
+                  <a:pt x="78928" y="198527"/>
+                </a:cubicBezTo>
+                <a:cubicBezTo>
+                  <a:pt x="78928" y="198307"/>
+                  <a:pt x="79015" y="198131"/>
+                  <a:pt x="79147" y="198000"/>
+                </a:cubicBezTo>
+                <a:lnTo>
+                  <a:pt x="80553" y="196550"/>
+                </a:lnTo>
+                <a:cubicBezTo>
+                  <a:pt x="80597" y="196528"/>
+                  <a:pt x="80652" y="196517"/>
+                  <a:pt x="80706" y="196517"/>
+                </a:cubicBezTo>
+                <a:close/>
+                <a:moveTo>
+                  <a:pt x="15461" y="1"/>
+                </a:moveTo>
+                <a:cubicBezTo>
+                  <a:pt x="6940" y="1"/>
+                  <a:pt x="1" y="6941"/>
+                  <a:pt x="1" y="15461"/>
+                </a:cubicBezTo>
+                <a:lnTo>
+                  <a:pt x="1" y="190884"/>
+                </a:lnTo>
+                <a:cubicBezTo>
+                  <a:pt x="1" y="199405"/>
+                  <a:pt x="6940" y="206345"/>
+                  <a:pt x="15461" y="206345"/>
+                </a:cubicBezTo>
+                <a:lnTo>
+                  <a:pt x="88019" y="206345"/>
+                </a:lnTo>
+                <a:cubicBezTo>
+                  <a:pt x="96540" y="206345"/>
+                  <a:pt x="103480" y="199405"/>
+                  <a:pt x="103480" y="190884"/>
+                </a:cubicBezTo>
+                <a:lnTo>
+                  <a:pt x="103480" y="15461"/>
+                </a:lnTo>
+                <a:cubicBezTo>
+                  <a:pt x="103480" y="6941"/>
+                  <a:pt x="96540" y="1"/>
+                  <a:pt x="88019" y="1"/>
+                </a:cubicBezTo>
+                <a:close/>
+              </a:path>
+            </a:pathLst>
+          </a:custGeom>
+          <a:noFill/>
+          <a:ln w="19050" cap="flat" cmpd="sng">
+            <a:solidFill>
+              <a:srgbClr val="FFFFFF"/>
+            </a:solidFill>
+            <a:prstDash val="solid"/>
+            <a:round/>
+            <a:headEnd type="none" w="sm" len="sm"/>
+            <a:tailEnd type="none" w="sm" len="sm"/>
+          </a:ln>
+        </p:spPr>
+        <p:txBody>
+          <a:bodyPr spcFirstLastPara="1" wrap="square" lIns="68575" tIns="68575" rIns="68575" bIns="68575" anchor="ctr" anchorCtr="0">
+            <a:noAutofit/>
+          </a:bodyPr>
+          <a:lstStyle/>
+          <a:p>
+            <a:pPr marL="0" lvl="0" indent="0" algn="l" rtl="0">
+              <a:spcBef>
+                <a:spcPts val="0"/>
+              </a:spcBef>
+              <a:spcAft>
+                <a:spcPts val="0"/>
+              </a:spcAft>
+              <a:buNone/>
+            </a:pPr>
+            <a:endParaRPr sz="1100"/>
+          </a:p>
+        </p:txBody>
+      </p:sp>
+      <p:sp>
+        <p:nvSpPr>
+          <p:cNvPr id="4" name="Rectangle 3">
+            <a:extLst>
+              <a:ext uri="{FF2B5EF4-FFF2-40B4-BE49-F238E27FC236}">
+                <a16:creationId xmlns:a16="http://schemas.microsoft.com/office/drawing/2014/main" id="{EA3E2EC0-0510-40FD-8565-13B74E0BB956}"/>
+              </a:ext>
+            </a:extLst>
+          </p:cNvPr>
+          <p:cNvSpPr/>
+          <p:nvPr/>
+        </p:nvSpPr>
+        <p:spPr>
+          <a:xfrm>
+            <a:off x="4538628" y="1107959"/>
+            <a:ext cx="1701459" cy="3031779"/>
           </a:xfrm>
           <a:prstGeom prst="rect">
             <a:avLst/>
           </a:prstGeom>
+          <a:solidFill>
+            <a:schemeClr val="bg2"/>
+          </a:solidFill>
+          <a:ln>
+            <a:noFill/>
+          </a:ln>
         </p:spPr>
+        <p:style>
+          <a:lnRef idx="2">
+            <a:schemeClr val="accent1">
+              <a:shade val="50000"/>
+            </a:schemeClr>
+          </a:lnRef>
+          <a:fillRef idx="1">
+            <a:schemeClr val="accent1"/>
+          </a:fillRef>
+          <a:effectRef idx="0">
+            <a:schemeClr val="accent1"/>
+          </a:effectRef>
+          <a:fontRef idx="minor">
+            <a:schemeClr val="lt1"/>
+          </a:fontRef>
+        </p:style>
         <p:txBody>
-          <a:bodyPr spcFirstLastPara="1" wrap="square" lIns="68575" tIns="34275" rIns="68575" bIns="34275" anchor="t" anchorCtr="0">
-            <a:noAutofit/>
+          <a:bodyPr rtlCol="0" anchor="ctr"/>
+          <a:lstStyle/>
+          <a:p>
+            <a:pPr algn="ctr"/>
+            <a:endParaRPr lang="en-US" dirty="0">
+              <a:noFill/>
+            </a:endParaRPr>
+          </a:p>
+        </p:txBody>
+      </p:sp>
+      <p:sp>
+        <p:nvSpPr>
+          <p:cNvPr id="5" name="Star: 5 Points 4">
+            <a:extLst>
+              <a:ext uri="{FF2B5EF4-FFF2-40B4-BE49-F238E27FC236}">
+                <a16:creationId xmlns:a16="http://schemas.microsoft.com/office/drawing/2014/main" id="{510F5C89-47AF-4B8F-B8F6-F36264B88440}"/>
+              </a:ext>
+            </a:extLst>
+          </p:cNvPr>
+          <p:cNvSpPr/>
+          <p:nvPr/>
+        </p:nvSpPr>
+        <p:spPr>
+          <a:xfrm rot="2805350">
+            <a:off x="4781550" y="1504950"/>
+            <a:ext cx="333375" cy="304800"/>
+          </a:xfrm>
+          <a:prstGeom prst="star5">
+            <a:avLst>
+              <a:gd name="adj" fmla="val 20527"/>
+              <a:gd name="hf" fmla="val 105146"/>
+              <a:gd name="vf" fmla="val 110557"/>
+            </a:avLst>
+          </a:prstGeom>
+          <a:solidFill>
+            <a:srgbClr val="FFC000"/>
+          </a:solidFill>
+          <a:ln w="34925">
+            <a:noFill/>
+          </a:ln>
+          <a:effectLst/>
+          <a:scene3d>
+            <a:camera prst="orthographicFront">
+              <a:rot lat="0" lon="0" rev="0"/>
+            </a:camera>
+            <a:lightRig rig="contrasting" dir="t">
+              <a:rot lat="0" lon="0" rev="7800000"/>
+            </a:lightRig>
+          </a:scene3d>
+          <a:sp3d>
+            <a:bevelT w="139700" h="139700"/>
+          </a:sp3d>
+        </p:spPr>
+        <p:style>
+          <a:lnRef idx="2">
+            <a:schemeClr val="accent1">
+              <a:shade val="50000"/>
+            </a:schemeClr>
+          </a:lnRef>
+          <a:fillRef idx="1">
+            <a:schemeClr val="accent1"/>
+          </a:fillRef>
+          <a:effectRef idx="0">
+            <a:schemeClr val="accent1"/>
+          </a:effectRef>
+          <a:fontRef idx="minor">
+            <a:schemeClr val="lt1"/>
+          </a:fontRef>
+        </p:style>
+        <p:txBody>
+          <a:bodyPr rtlCol="0" anchor="ctr">
+            <a:scene3d>
+              <a:camera prst="perspectiveRelaxedModerately"/>
+              <a:lightRig rig="threePt" dir="t"/>
+            </a:scene3d>
           </a:bodyPr>
           <a:lstStyle/>
           <a:p>
-            <a:pPr marL="0" lvl="0" indent="0" algn="ctr" rtl="0">
-              <a:spcBef>
-                <a:spcPts val="800"/>
-              </a:spcBef>
-              <a:spcAft>
-                <a:spcPts val="0"/>
-              </a:spcAft>
-              <a:buNone/>
-            </a:pPr>
+            <a:pPr algn="ctr"/>
+            <a:endParaRPr lang="en-US"/>
+          </a:p>
+        </p:txBody>
+      </p:sp>
+      <p:sp>
+        <p:nvSpPr>
+          <p:cNvPr id="10" name="Star: 5 Points 9">
+            <a:extLst>
+              <a:ext uri="{FF2B5EF4-FFF2-40B4-BE49-F238E27FC236}">
+                <a16:creationId xmlns:a16="http://schemas.microsoft.com/office/drawing/2014/main" id="{DF6E93F6-8600-4F11-B9C5-0DA87213EC4A}"/>
+              </a:ext>
+            </a:extLst>
+          </p:cNvPr>
+          <p:cNvSpPr/>
+          <p:nvPr/>
+        </p:nvSpPr>
+        <p:spPr>
+          <a:xfrm rot="2805350">
+            <a:off x="5540080" y="1279118"/>
+            <a:ext cx="333375" cy="304800"/>
+          </a:xfrm>
+          <a:prstGeom prst="star5">
+            <a:avLst>
+              <a:gd name="adj" fmla="val 20527"/>
+              <a:gd name="hf" fmla="val 105146"/>
+              <a:gd name="vf" fmla="val 110557"/>
+            </a:avLst>
+          </a:prstGeom>
+          <a:solidFill>
+            <a:srgbClr val="FFC000"/>
+          </a:solidFill>
+          <a:ln w="34925">
+            <a:noFill/>
+          </a:ln>
+          <a:effectLst/>
+          <a:scene3d>
+            <a:camera prst="orthographicFront">
+              <a:rot lat="0" lon="0" rev="0"/>
+            </a:camera>
+            <a:lightRig rig="contrasting" dir="t">
+              <a:rot lat="0" lon="0" rev="7800000"/>
+            </a:lightRig>
+          </a:scene3d>
+          <a:sp3d>
+            <a:bevelT w="139700" h="139700"/>
+          </a:sp3d>
+        </p:spPr>
+        <p:style>
+          <a:lnRef idx="2">
+            <a:schemeClr val="accent1">
+              <a:shade val="50000"/>
+            </a:schemeClr>
+          </a:lnRef>
+          <a:fillRef idx="1">
+            <a:schemeClr val="accent1"/>
+          </a:fillRef>
+          <a:effectRef idx="0">
+            <a:schemeClr val="accent1"/>
+          </a:effectRef>
+          <a:fontRef idx="minor">
+            <a:schemeClr val="lt1"/>
+          </a:fontRef>
+        </p:style>
+        <p:txBody>
+          <a:bodyPr rtlCol="0" anchor="ctr">
+            <a:scene3d>
+              <a:camera prst="perspectiveRelaxedModerately"/>
+              <a:lightRig rig="threePt" dir="t"/>
+            </a:scene3d>
+          </a:bodyPr>
+          <a:lstStyle/>
+          <a:p>
+            <a:pPr algn="ctr"/>
+            <a:endParaRPr lang="en-US"/>
+          </a:p>
+        </p:txBody>
+      </p:sp>
+      <p:sp>
+        <p:nvSpPr>
+          <p:cNvPr id="11" name="Star: 5 Points 10">
+            <a:extLst>
+              <a:ext uri="{FF2B5EF4-FFF2-40B4-BE49-F238E27FC236}">
+                <a16:creationId xmlns:a16="http://schemas.microsoft.com/office/drawing/2014/main" id="{6920B438-D115-47AB-A839-EABBE805607E}"/>
+              </a:ext>
+            </a:extLst>
+          </p:cNvPr>
+          <p:cNvSpPr/>
+          <p:nvPr/>
+        </p:nvSpPr>
+        <p:spPr>
+          <a:xfrm rot="2805350">
+            <a:off x="5827080" y="2808536"/>
+            <a:ext cx="333375" cy="304800"/>
+          </a:xfrm>
+          <a:prstGeom prst="star5">
+            <a:avLst>
+              <a:gd name="adj" fmla="val 20527"/>
+              <a:gd name="hf" fmla="val 105146"/>
+              <a:gd name="vf" fmla="val 110557"/>
+            </a:avLst>
+          </a:prstGeom>
+          <a:solidFill>
+            <a:srgbClr val="FFC000"/>
+          </a:solidFill>
+          <a:ln w="34925">
+            <a:noFill/>
+          </a:ln>
+          <a:effectLst/>
+          <a:scene3d>
+            <a:camera prst="orthographicFront">
+              <a:rot lat="0" lon="0" rev="0"/>
+            </a:camera>
+            <a:lightRig rig="contrasting" dir="t">
+              <a:rot lat="0" lon="0" rev="7800000"/>
+            </a:lightRig>
+          </a:scene3d>
+          <a:sp3d>
+            <a:bevelT w="139700" h="139700"/>
+          </a:sp3d>
+        </p:spPr>
+        <p:style>
+          <a:lnRef idx="2">
+            <a:schemeClr val="accent1">
+              <a:shade val="50000"/>
+            </a:schemeClr>
+          </a:lnRef>
+          <a:fillRef idx="1">
+            <a:schemeClr val="accent1"/>
+          </a:fillRef>
+          <a:effectRef idx="0">
+            <a:schemeClr val="accent1"/>
+          </a:effectRef>
+          <a:fontRef idx="minor">
+            <a:schemeClr val="lt1"/>
+          </a:fontRef>
+        </p:style>
+        <p:txBody>
+          <a:bodyPr rtlCol="0" anchor="ctr">
+            <a:scene3d>
+              <a:camera prst="perspectiveRelaxedModerately"/>
+              <a:lightRig rig="threePt" dir="t"/>
+            </a:scene3d>
+          </a:bodyPr>
+          <a:lstStyle/>
+          <a:p>
+            <a:pPr algn="ctr"/>
+            <a:endParaRPr lang="en-US"/>
+          </a:p>
+        </p:txBody>
+      </p:sp>
+      <p:sp>
+        <p:nvSpPr>
+          <p:cNvPr id="12" name="Star: 5 Points 11">
+            <a:extLst>
+              <a:ext uri="{FF2B5EF4-FFF2-40B4-BE49-F238E27FC236}">
+                <a16:creationId xmlns:a16="http://schemas.microsoft.com/office/drawing/2014/main" id="{7FC34C81-C374-4CB0-8D43-1EA4BDA7ECEA}"/>
+              </a:ext>
+            </a:extLst>
+          </p:cNvPr>
+          <p:cNvSpPr/>
+          <p:nvPr/>
+        </p:nvSpPr>
+        <p:spPr>
+          <a:xfrm rot="2805350">
+            <a:off x="4717986" y="2407394"/>
+            <a:ext cx="333375" cy="304800"/>
+          </a:xfrm>
+          <a:prstGeom prst="star5">
+            <a:avLst>
+              <a:gd name="adj" fmla="val 20527"/>
+              <a:gd name="hf" fmla="val 105146"/>
+              <a:gd name="vf" fmla="val 110557"/>
+            </a:avLst>
+          </a:prstGeom>
+          <a:solidFill>
+            <a:srgbClr val="FFC000"/>
+          </a:solidFill>
+          <a:ln w="34925">
+            <a:noFill/>
+          </a:ln>
+          <a:effectLst/>
+          <a:scene3d>
+            <a:camera prst="orthographicFront">
+              <a:rot lat="0" lon="0" rev="0"/>
+            </a:camera>
+            <a:lightRig rig="contrasting" dir="t">
+              <a:rot lat="0" lon="0" rev="7800000"/>
+            </a:lightRig>
+          </a:scene3d>
+          <a:sp3d>
+            <a:bevelT w="139700" h="139700"/>
+          </a:sp3d>
+        </p:spPr>
+        <p:style>
+          <a:lnRef idx="2">
+            <a:schemeClr val="accent1">
+              <a:shade val="50000"/>
+            </a:schemeClr>
+          </a:lnRef>
+          <a:fillRef idx="1">
+            <a:schemeClr val="accent1"/>
+          </a:fillRef>
+          <a:effectRef idx="0">
+            <a:schemeClr val="accent1"/>
+          </a:effectRef>
+          <a:fontRef idx="minor">
+            <a:schemeClr val="lt1"/>
+          </a:fontRef>
+        </p:style>
+        <p:txBody>
+          <a:bodyPr rtlCol="0" anchor="ctr">
+            <a:scene3d>
+              <a:camera prst="perspectiveRelaxedModerately"/>
+              <a:lightRig rig="threePt" dir="t"/>
+            </a:scene3d>
+          </a:bodyPr>
+          <a:lstStyle/>
+          <a:p>
+            <a:pPr algn="ctr"/>
+            <a:endParaRPr lang="en-US"/>
+          </a:p>
+        </p:txBody>
+      </p:sp>
+      <p:sp>
+        <p:nvSpPr>
+          <p:cNvPr id="13" name="Star: 5 Points 12">
+            <a:extLst>
+              <a:ext uri="{FF2B5EF4-FFF2-40B4-BE49-F238E27FC236}">
+                <a16:creationId xmlns:a16="http://schemas.microsoft.com/office/drawing/2014/main" id="{AE91178E-92C4-494E-8338-E1B0935BC546}"/>
+              </a:ext>
+            </a:extLst>
+          </p:cNvPr>
+          <p:cNvSpPr/>
+          <p:nvPr/>
+        </p:nvSpPr>
+        <p:spPr>
+          <a:xfrm rot="2805350">
+            <a:off x="5702363" y="2029911"/>
+            <a:ext cx="333375" cy="304800"/>
+          </a:xfrm>
+          <a:prstGeom prst="star5">
+            <a:avLst>
+              <a:gd name="adj" fmla="val 20527"/>
+              <a:gd name="hf" fmla="val 105146"/>
+              <a:gd name="vf" fmla="val 110557"/>
+            </a:avLst>
+          </a:prstGeom>
+          <a:solidFill>
+            <a:srgbClr val="FFC000"/>
+          </a:solidFill>
+          <a:ln w="34925">
+            <a:noFill/>
+          </a:ln>
+          <a:effectLst/>
+          <a:scene3d>
+            <a:camera prst="orthographicFront">
+              <a:rot lat="0" lon="0" rev="0"/>
+            </a:camera>
+            <a:lightRig rig="contrasting" dir="t">
+              <a:rot lat="0" lon="0" rev="7800000"/>
+            </a:lightRig>
+          </a:scene3d>
+          <a:sp3d>
+            <a:bevelT w="139700" h="139700"/>
+          </a:sp3d>
+        </p:spPr>
+        <p:style>
+          <a:lnRef idx="2">
+            <a:schemeClr val="accent1">
+              <a:shade val="50000"/>
+            </a:schemeClr>
+          </a:lnRef>
+          <a:fillRef idx="1">
+            <a:schemeClr val="accent1"/>
+          </a:fillRef>
+          <a:effectRef idx="0">
+            <a:schemeClr val="accent1"/>
+          </a:effectRef>
+          <a:fontRef idx="minor">
+            <a:schemeClr val="lt1"/>
+          </a:fontRef>
+        </p:style>
+        <p:txBody>
+          <a:bodyPr rtlCol="0" anchor="ctr">
+            <a:scene3d>
+              <a:camera prst="perspectiveRelaxedModerately"/>
+              <a:lightRig rig="threePt" dir="t"/>
+            </a:scene3d>
+          </a:bodyPr>
+          <a:lstStyle/>
+          <a:p>
+            <a:pPr algn="ctr"/>
+            <a:endParaRPr lang="en-US"/>
+          </a:p>
+        </p:txBody>
+      </p:sp>
+      <p:sp>
+        <p:nvSpPr>
+          <p:cNvPr id="6" name="Oval 5">
+            <a:extLst>
+              <a:ext uri="{FF2B5EF4-FFF2-40B4-BE49-F238E27FC236}">
+                <a16:creationId xmlns:a16="http://schemas.microsoft.com/office/drawing/2014/main" id="{98E1DBB3-A630-497C-8D96-EA12DE48F9D6}"/>
+              </a:ext>
+            </a:extLst>
+          </p:cNvPr>
+          <p:cNvSpPr/>
+          <p:nvPr/>
+        </p:nvSpPr>
+        <p:spPr>
+          <a:xfrm>
+            <a:off x="5231152" y="3698452"/>
+            <a:ext cx="313748" cy="317054"/>
+          </a:xfrm>
+          <a:prstGeom prst="ellipse">
+            <a:avLst/>
+          </a:prstGeom>
+          <a:solidFill>
+            <a:srgbClr val="FF0000"/>
+          </a:solidFill>
+          <a:ln w="3175">
+            <a:solidFill>
+              <a:srgbClr val="C00000"/>
+            </a:solidFill>
+          </a:ln>
+          <a:effectLst/>
+          <a:scene3d>
+            <a:camera prst="orthographicFront">
+              <a:rot lat="0" lon="0" rev="0"/>
+            </a:camera>
+            <a:lightRig rig="contrasting" dir="t">
+              <a:rot lat="0" lon="0" rev="7800000"/>
+            </a:lightRig>
+          </a:scene3d>
+          <a:sp3d>
+            <a:bevelT w="139700" h="139700"/>
+          </a:sp3d>
+        </p:spPr>
+        <p:style>
+          <a:lnRef idx="2">
+            <a:schemeClr val="accent1">
+              <a:shade val="50000"/>
+            </a:schemeClr>
+          </a:lnRef>
+          <a:fillRef idx="1">
+            <a:schemeClr val="accent1"/>
+          </a:fillRef>
+          <a:effectRef idx="0">
+            <a:schemeClr val="accent1"/>
+          </a:effectRef>
+          <a:fontRef idx="minor">
+            <a:schemeClr val="lt1"/>
+          </a:fontRef>
+        </p:style>
+        <p:txBody>
+          <a:bodyPr rtlCol="0" anchor="ctr"/>
+          <a:lstStyle/>
+          <a:p>
+            <a:pPr algn="ctr"/>
+            <a:endParaRPr lang="en-US"/>
+          </a:p>
+        </p:txBody>
+      </p:sp>
+      <p:sp>
+        <p:nvSpPr>
+          <p:cNvPr id="7" name="Oval 6">
+            <a:extLst>
+              <a:ext uri="{FF2B5EF4-FFF2-40B4-BE49-F238E27FC236}">
+                <a16:creationId xmlns:a16="http://schemas.microsoft.com/office/drawing/2014/main" id="{9E77F4F1-8AFE-4D7F-8EA2-AAF61A7DD4C1}"/>
+              </a:ext>
+            </a:extLst>
+          </p:cNvPr>
+          <p:cNvSpPr/>
+          <p:nvPr/>
+        </p:nvSpPr>
+        <p:spPr>
+          <a:xfrm>
+            <a:off x="5262299" y="2163181"/>
+            <a:ext cx="245035" cy="244963"/>
+          </a:xfrm>
+          <a:prstGeom prst="ellipse">
+            <a:avLst/>
+          </a:prstGeom>
+          <a:noFill/>
+          <a:ln>
+            <a:solidFill>
+              <a:schemeClr val="tx1"/>
+            </a:solidFill>
+          </a:ln>
+        </p:spPr>
+        <p:style>
+          <a:lnRef idx="2">
+            <a:schemeClr val="accent1">
+              <a:shade val="50000"/>
+            </a:schemeClr>
+          </a:lnRef>
+          <a:fillRef idx="1">
+            <a:schemeClr val="accent1"/>
+          </a:fillRef>
+          <a:effectRef idx="0">
+            <a:schemeClr val="accent1"/>
+          </a:effectRef>
+          <a:fontRef idx="minor">
+            <a:schemeClr val="lt1"/>
+          </a:fontRef>
+        </p:style>
+        <p:txBody>
+          <a:bodyPr rtlCol="0" anchor="ctr"/>
+          <a:lstStyle/>
+          <a:p>
+            <a:pPr algn="ctr"/>
+            <a:endParaRPr lang="en-US"/>
+          </a:p>
+        </p:txBody>
+      </p:sp>
+      <p:cxnSp>
+        <p:nvCxnSpPr>
+          <p:cNvPr id="9" name="Straight Connector 8">
+            <a:extLst>
+              <a:ext uri="{FF2B5EF4-FFF2-40B4-BE49-F238E27FC236}">
+                <a16:creationId xmlns:a16="http://schemas.microsoft.com/office/drawing/2014/main" id="{23A0A638-43CD-4C59-AE06-4F31F3047374}"/>
+              </a:ext>
+            </a:extLst>
+          </p:cNvPr>
+          <p:cNvCxnSpPr>
+            <a:cxnSpLocks/>
+          </p:cNvCxnSpPr>
+          <p:nvPr/>
+        </p:nvCxnSpPr>
+        <p:spPr>
+          <a:xfrm>
+            <a:off x="5173451" y="2283012"/>
+            <a:ext cx="418719" cy="0"/>
+          </a:xfrm>
+          <a:prstGeom prst="line">
+            <a:avLst/>
+          </a:prstGeom>
+          <a:ln w="12700"/>
+        </p:spPr>
+        <p:style>
+          <a:lnRef idx="1">
+            <a:schemeClr val="accent1"/>
+          </a:lnRef>
+          <a:fillRef idx="0">
+            <a:schemeClr val="accent1"/>
+          </a:fillRef>
+          <a:effectRef idx="0">
+            <a:schemeClr val="accent1"/>
+          </a:effectRef>
+          <a:fontRef idx="minor">
+            <a:schemeClr val="tx1"/>
+          </a:fontRef>
+        </p:style>
+      </p:cxnSp>
+      <p:cxnSp>
+        <p:nvCxnSpPr>
+          <p:cNvPr id="21" name="Straight Connector 20">
+            <a:extLst>
+              <a:ext uri="{FF2B5EF4-FFF2-40B4-BE49-F238E27FC236}">
+                <a16:creationId xmlns:a16="http://schemas.microsoft.com/office/drawing/2014/main" id="{327E567B-6997-4C44-8E90-682349626D3D}"/>
+              </a:ext>
+            </a:extLst>
+          </p:cNvPr>
+          <p:cNvCxnSpPr>
+            <a:cxnSpLocks/>
+          </p:cNvCxnSpPr>
+          <p:nvPr/>
+        </p:nvCxnSpPr>
+        <p:spPr>
+          <a:xfrm>
+            <a:off x="5386622" y="2074884"/>
+            <a:ext cx="0" cy="416256"/>
+          </a:xfrm>
+          <a:prstGeom prst="line">
+            <a:avLst/>
+          </a:prstGeom>
+          <a:ln w="12700"/>
+        </p:spPr>
+        <p:style>
+          <a:lnRef idx="1">
+            <a:schemeClr val="accent1"/>
+          </a:lnRef>
+          <a:fillRef idx="0">
+            <a:schemeClr val="accent1"/>
+          </a:fillRef>
+          <a:effectRef idx="0">
+            <a:schemeClr val="accent1"/>
+          </a:effectRef>
+          <a:fontRef idx="minor">
+            <a:schemeClr val="tx1"/>
+          </a:fontRef>
+        </p:style>
+      </p:cxnSp>
+      <p:sp>
+        <p:nvSpPr>
+          <p:cNvPr id="20" name="Rectangle: Rounded Corners 19">
+            <a:extLst>
+              <a:ext uri="{FF2B5EF4-FFF2-40B4-BE49-F238E27FC236}">
+                <a16:creationId xmlns:a16="http://schemas.microsoft.com/office/drawing/2014/main" id="{A9E3E3B7-361F-4D7B-8E3A-8845EFA46AF3}"/>
+              </a:ext>
+            </a:extLst>
+          </p:cNvPr>
+          <p:cNvSpPr/>
+          <p:nvPr/>
+        </p:nvSpPr>
+        <p:spPr>
+          <a:xfrm>
+            <a:off x="4598514" y="1178609"/>
+            <a:ext cx="570225" cy="225825"/>
+          </a:xfrm>
+          <a:prstGeom prst="roundRect">
+            <a:avLst/>
+          </a:prstGeom>
+          <a:solidFill>
+            <a:schemeClr val="accent1">
+              <a:lumMod val="90000"/>
+              <a:lumOff val="10000"/>
+            </a:schemeClr>
+          </a:solidFill>
+          <a:ln>
+            <a:noFill/>
+          </a:ln>
+        </p:spPr>
+        <p:style>
+          <a:lnRef idx="2">
+            <a:schemeClr val="accent1">
+              <a:shade val="50000"/>
+            </a:schemeClr>
+          </a:lnRef>
+          <a:fillRef idx="1">
+            <a:schemeClr val="accent1"/>
+          </a:fillRef>
+          <a:effectRef idx="0">
+            <a:schemeClr val="accent1"/>
+          </a:effectRef>
+          <a:fontRef idx="minor">
+            <a:schemeClr val="lt1"/>
+          </a:fontRef>
+        </p:style>
+        <p:txBody>
+          <a:bodyPr rtlCol="0" anchor="ctr"/>
+          <a:lstStyle/>
+          <a:p>
             <a:r>
-              <a:rPr lang="en-US" sz="1600" dirty="0"/>
-              <a:t>Shooting</a:t>
+              <a:rPr lang="en-US" sz="500" dirty="0"/>
+              <a:t>Score : 3</a:t>
             </a:r>
           </a:p>
           <a:p>
-            <a:pPr marL="0" lvl="0" indent="0" algn="ctr" rtl="0">
-              <a:spcBef>
-                <a:spcPts val="800"/>
-              </a:spcBef>
-              <a:spcAft>
-                <a:spcPts val="0"/>
-              </a:spcAft>
-              <a:buNone/>
-            </a:pPr>
             <a:r>
-              <a:rPr lang="en-US" sz="1600" dirty="0"/>
-              <a:t>Sound Effects</a:t>
-            </a:r>
-          </a:p>
-          <a:p>
-            <a:pPr marL="0" lvl="0" indent="0" algn="ctr" rtl="0">
-              <a:spcBef>
-                <a:spcPts val="800"/>
-              </a:spcBef>
-              <a:spcAft>
-                <a:spcPts val="0"/>
-              </a:spcAft>
-              <a:buNone/>
-            </a:pPr>
-            <a:r>
-              <a:rPr lang="en-US" sz="1600" dirty="0"/>
-              <a:t>Scores for kills</a:t>
+              <a:rPr lang="en-US" sz="500" dirty="0"/>
+              <a:t>Time : 00.35</a:t>
             </a:r>
           </a:p>
         </p:txBody>
@@ -11777,7 +13863,7 @@
             </a:pPr>
             <a:r>
               <a:rPr lang="es-ES" sz="6000" b="0" dirty="0"/>
-              <a:t>TECHNOLOGIES</a:t>
+              <a:t>FEATURES</a:t>
             </a:r>
             <a:endParaRPr sz="6000" b="0" dirty="0"/>
           </a:p>
@@ -11819,7 +13905,7 @@
             </a:pPr>
             <a:r>
               <a:rPr lang="en-US" sz="1600" dirty="0"/>
-              <a:t>Java</a:t>
+              <a:t>Shooting</a:t>
             </a:r>
           </a:p>
           <a:p>
@@ -11834,17 +13920,27 @@
             </a:pPr>
             <a:r>
               <a:rPr lang="en-US" sz="1600" dirty="0"/>
-              <a:t>Android</a:t>
+              <a:t>Sound Effects</a:t>
+            </a:r>
+          </a:p>
+          <a:p>
+            <a:pPr marL="0" lvl="0" indent="0" algn="ctr" rtl="0">
+              <a:spcBef>
+                <a:spcPts val="800"/>
+              </a:spcBef>
+              <a:spcAft>
+                <a:spcPts val="0"/>
+              </a:spcAft>
+              <a:buNone/>
+            </a:pPr>
+            <a:r>
+              <a:rPr lang="en-US" sz="1600" dirty="0"/>
+              <a:t>Score &amp; Time</a:t>
             </a:r>
           </a:p>
         </p:txBody>
       </p:sp>
     </p:spTree>
-    <p:extLst>
-      <p:ext uri="{BB962C8B-B14F-4D97-AF65-F5344CB8AC3E}">
-        <p14:creationId xmlns:p14="http://schemas.microsoft.com/office/powerpoint/2010/main" val="1207077721"/>
-      </p:ext>
-    </p:extLst>
   </p:cSld>
   <p:clrMapOvr>
     <a:masterClrMapping/>
@@ -11917,6 +14013,146 @@
             </a:pPr>
             <a:r>
               <a:rPr lang="es-ES" sz="6000" b="0" dirty="0"/>
+              <a:t>TECHNOLOGIES</a:t>
+            </a:r>
+            <a:endParaRPr sz="6000" b="0" dirty="0"/>
+          </a:p>
+        </p:txBody>
+      </p:sp>
+      <p:sp>
+        <p:nvSpPr>
+          <p:cNvPr id="322" name="Google Shape;322;p31"/>
+          <p:cNvSpPr txBox="1">
+            <a:spLocks noGrp="1"/>
+          </p:cNvSpPr>
+          <p:nvPr>
+            <p:ph type="subTitle" idx="1"/>
+          </p:nvPr>
+        </p:nvSpPr>
+        <p:spPr>
+          <a:xfrm>
+            <a:off x="3084811" y="2646876"/>
+            <a:ext cx="2930400" cy="380400"/>
+          </a:xfrm>
+          <a:prstGeom prst="rect">
+            <a:avLst/>
+          </a:prstGeom>
+        </p:spPr>
+        <p:txBody>
+          <a:bodyPr spcFirstLastPara="1" wrap="square" lIns="68575" tIns="34275" rIns="68575" bIns="34275" anchor="t" anchorCtr="0">
+            <a:noAutofit/>
+          </a:bodyPr>
+          <a:lstStyle/>
+          <a:p>
+            <a:pPr marL="0" lvl="0" indent="0" algn="ctr" rtl="0">
+              <a:spcBef>
+                <a:spcPts val="800"/>
+              </a:spcBef>
+              <a:spcAft>
+                <a:spcPts val="0"/>
+              </a:spcAft>
+              <a:buNone/>
+            </a:pPr>
+            <a:r>
+              <a:rPr lang="en-US" sz="1600" dirty="0"/>
+              <a:t>Java</a:t>
+            </a:r>
+          </a:p>
+          <a:p>
+            <a:pPr marL="0" lvl="0" indent="0" algn="ctr" rtl="0">
+              <a:spcBef>
+                <a:spcPts val="800"/>
+              </a:spcBef>
+              <a:spcAft>
+                <a:spcPts val="0"/>
+              </a:spcAft>
+              <a:buNone/>
+            </a:pPr>
+            <a:r>
+              <a:rPr lang="en-US" sz="1600" dirty="0"/>
+              <a:t>Android</a:t>
+            </a:r>
+          </a:p>
+        </p:txBody>
+      </p:sp>
+    </p:spTree>
+    <p:extLst>
+      <p:ext uri="{BB962C8B-B14F-4D97-AF65-F5344CB8AC3E}">
+        <p14:creationId xmlns:p14="http://schemas.microsoft.com/office/powerpoint/2010/main" val="1207077721"/>
+      </p:ext>
+    </p:extLst>
+  </p:cSld>
+  <p:clrMapOvr>
+    <a:masterClrMapping/>
+  </p:clrMapOvr>
+</p:sld>
+</file>
+
+<file path=ppt/slides/slide7.xml><?xml version="1.0" encoding="utf-8"?>
+<p:sld xmlns:a="http://schemas.openxmlformats.org/drawingml/2006/main" xmlns:r="http://schemas.openxmlformats.org/officeDocument/2006/relationships" xmlns:p="http://schemas.openxmlformats.org/presentationml/2006/main">
+  <p:cSld>
+    <p:spTree>
+      <p:nvGrpSpPr>
+        <p:cNvPr id="1" name="Shape 320"/>
+        <p:cNvGrpSpPr/>
+        <p:nvPr/>
+      </p:nvGrpSpPr>
+      <p:grpSpPr>
+        <a:xfrm>
+          <a:off x="0" y="0"/>
+          <a:ext cx="0" cy="0"/>
+          <a:chOff x="0" y="0"/>
+          <a:chExt cx="0" cy="0"/>
+        </a:xfrm>
+      </p:grpSpPr>
+      <p:sp>
+        <p:nvSpPr>
+          <p:cNvPr id="321" name="Google Shape;321;p31"/>
+          <p:cNvSpPr txBox="1">
+            <a:spLocks noGrp="1"/>
+          </p:cNvSpPr>
+          <p:nvPr>
+            <p:ph type="ctrTitle"/>
+          </p:nvPr>
+        </p:nvSpPr>
+        <p:spPr>
+          <a:xfrm>
+            <a:off x="1232761" y="1405476"/>
+            <a:ext cx="6634500" cy="1241400"/>
+          </a:xfrm>
+          <a:prstGeom prst="rect">
+            <a:avLst/>
+          </a:prstGeom>
+          <a:noFill/>
+          <a:ln>
+            <a:noFill/>
+          </a:ln>
+        </p:spPr>
+        <p:txBody>
+          <a:bodyPr spcFirstLastPara="1" wrap="square" lIns="68575" tIns="34275" rIns="68575" bIns="34275" anchor="b" anchorCtr="0">
+            <a:noAutofit/>
+          </a:bodyPr>
+          <a:lstStyle/>
+          <a:p>
+            <a:pPr marL="0" lvl="0" indent="0" algn="ctr" rtl="0">
+              <a:lnSpc>
+                <a:spcPct val="90000"/>
+              </a:lnSpc>
+              <a:spcBef>
+                <a:spcPts val="0"/>
+              </a:spcBef>
+              <a:spcAft>
+                <a:spcPts val="0"/>
+              </a:spcAft>
+              <a:buClr>
+                <a:schemeClr val="dk1"/>
+              </a:buClr>
+              <a:buSzPts val="4500"/>
+              <a:buFont typeface="Nunito Sans Black"/>
+              <a:buNone/>
+            </a:pPr>
+            <a:r>
+              <a:rPr lang="es-ES" sz="6000" b="0" dirty="0"/>
               <a:t>BENIFIT</a:t>
             </a:r>
             <a:endParaRPr sz="6000" b="0" dirty="0"/>
@@ -11977,7 +14213,7 @@
 </p:sld>
 </file>
 
-<file path=ppt/slides/slide7.xml><?xml version="1.0" encoding="utf-8"?>
+<file path=ppt/slides/slide8.xml><?xml version="1.0" encoding="utf-8"?>
 <p:sld xmlns:a="http://schemas.openxmlformats.org/drawingml/2006/main" xmlns:r="http://schemas.openxmlformats.org/officeDocument/2006/relationships" xmlns:p="http://schemas.openxmlformats.org/presentationml/2006/main">
   <p:cSld>
     <p:bg>

--- a/164004E.pptx
+++ b/164004E.pptx
@@ -14055,7 +14055,7 @@
             </a:pPr>
             <a:r>
               <a:rPr lang="en-US" sz="1600" dirty="0"/>
-              <a:t>Java</a:t>
+              <a:t>Java or C Sharp</a:t>
             </a:r>
           </a:p>
           <a:p>
@@ -14070,7 +14070,7 @@
             </a:pPr>
             <a:r>
               <a:rPr lang="en-US" sz="1600" dirty="0"/>
-              <a:t>Android</a:t>
+              <a:t>Android or Unity</a:t>
             </a:r>
           </a:p>
         </p:txBody>
